--- a/トランプイラスト.pptx
+++ b/トランプイラスト.pptx
@@ -6,7 +6,8 @@
   </p:sldMasterIdLst>
   <p:sldIdLst>
     <p:sldId id="256" r:id="rId2"/>
-    <p:sldId id="257" r:id="rId3"/>
+    <p:sldId id="258" r:id="rId3"/>
+    <p:sldId id="257" r:id="rId4"/>
   </p:sldIdLst>
   <p:sldSz cx="12192000" cy="6858000"/>
   <p:notesSz cx="6858000" cy="9144000"/>
@@ -105,6 +106,11 @@
       </a:defRPr>
     </a:lvl9pPr>
   </p:defaultTextStyle>
+  <p:extLst>
+    <p:ext uri="{EFAFB233-063F-42B5-8137-9DF3F51BA10A}">
+      <p15:sldGuideLst xmlns:p15="http://schemas.microsoft.com/office/powerpoint/2012/main"/>
+    </p:ext>
+  </p:extLst>
 </p:presentation>
 </file>
 
@@ -255,7 +261,7 @@
           <a:p>
             <a:fld id="{5BEB84C7-C497-44B9-BE5E-194C7F150632}" type="datetimeFigureOut">
               <a:rPr kumimoji="1" lang="ja-JP" altLang="en-US" smtClean="0"/>
-              <a:t>2023/8/16</a:t>
+              <a:t>2023/8/20</a:t>
             </a:fld>
             <a:endParaRPr kumimoji="1" lang="ja-JP" altLang="en-US"/>
           </a:p>
@@ -485,7 +491,7 @@
           <a:p>
             <a:fld id="{5BEB84C7-C497-44B9-BE5E-194C7F150632}" type="datetimeFigureOut">
               <a:rPr kumimoji="1" lang="ja-JP" altLang="en-US" smtClean="0"/>
-              <a:t>2023/8/16</a:t>
+              <a:t>2023/8/20</a:t>
             </a:fld>
             <a:endParaRPr kumimoji="1" lang="ja-JP" altLang="en-US"/>
           </a:p>
@@ -725,7 +731,7 @@
           <a:p>
             <a:fld id="{5BEB84C7-C497-44B9-BE5E-194C7F150632}" type="datetimeFigureOut">
               <a:rPr kumimoji="1" lang="ja-JP" altLang="en-US" smtClean="0"/>
-              <a:t>2023/8/16</a:t>
+              <a:t>2023/8/20</a:t>
             </a:fld>
             <a:endParaRPr kumimoji="1" lang="ja-JP" altLang="en-US"/>
           </a:p>
@@ -955,7 +961,7 @@
           <a:p>
             <a:fld id="{5BEB84C7-C497-44B9-BE5E-194C7F150632}" type="datetimeFigureOut">
               <a:rPr kumimoji="1" lang="ja-JP" altLang="en-US" smtClean="0"/>
-              <a:t>2023/8/16</a:t>
+              <a:t>2023/8/20</a:t>
             </a:fld>
             <a:endParaRPr kumimoji="1" lang="ja-JP" altLang="en-US"/>
           </a:p>
@@ -1230,7 +1236,7 @@
           <a:p>
             <a:fld id="{5BEB84C7-C497-44B9-BE5E-194C7F150632}" type="datetimeFigureOut">
               <a:rPr kumimoji="1" lang="ja-JP" altLang="en-US" smtClean="0"/>
-              <a:t>2023/8/16</a:t>
+              <a:t>2023/8/20</a:t>
             </a:fld>
             <a:endParaRPr kumimoji="1" lang="ja-JP" altLang="en-US"/>
           </a:p>
@@ -1559,7 +1565,7 @@
           <a:p>
             <a:fld id="{5BEB84C7-C497-44B9-BE5E-194C7F150632}" type="datetimeFigureOut">
               <a:rPr kumimoji="1" lang="ja-JP" altLang="en-US" smtClean="0"/>
-              <a:t>2023/8/16</a:t>
+              <a:t>2023/8/20</a:t>
             </a:fld>
             <a:endParaRPr kumimoji="1" lang="ja-JP" altLang="en-US"/>
           </a:p>
@@ -2035,7 +2041,7 @@
           <a:p>
             <a:fld id="{5BEB84C7-C497-44B9-BE5E-194C7F150632}" type="datetimeFigureOut">
               <a:rPr kumimoji="1" lang="ja-JP" altLang="en-US" smtClean="0"/>
-              <a:t>2023/8/16</a:t>
+              <a:t>2023/8/20</a:t>
             </a:fld>
             <a:endParaRPr kumimoji="1" lang="ja-JP" altLang="en-US"/>
           </a:p>
@@ -2176,7 +2182,7 @@
           <a:p>
             <a:fld id="{5BEB84C7-C497-44B9-BE5E-194C7F150632}" type="datetimeFigureOut">
               <a:rPr kumimoji="1" lang="ja-JP" altLang="en-US" smtClean="0"/>
-              <a:t>2023/8/16</a:t>
+              <a:t>2023/8/20</a:t>
             </a:fld>
             <a:endParaRPr kumimoji="1" lang="ja-JP" altLang="en-US"/>
           </a:p>
@@ -2289,7 +2295,7 @@
           <a:p>
             <a:fld id="{5BEB84C7-C497-44B9-BE5E-194C7F150632}" type="datetimeFigureOut">
               <a:rPr kumimoji="1" lang="ja-JP" altLang="en-US" smtClean="0"/>
-              <a:t>2023/8/16</a:t>
+              <a:t>2023/8/20</a:t>
             </a:fld>
             <a:endParaRPr kumimoji="1" lang="ja-JP" altLang="en-US"/>
           </a:p>
@@ -2632,7 +2638,7 @@
           <a:p>
             <a:fld id="{5BEB84C7-C497-44B9-BE5E-194C7F150632}" type="datetimeFigureOut">
               <a:rPr kumimoji="1" lang="ja-JP" altLang="en-US" smtClean="0"/>
-              <a:t>2023/8/16</a:t>
+              <a:t>2023/8/20</a:t>
             </a:fld>
             <a:endParaRPr kumimoji="1" lang="ja-JP" altLang="en-US"/>
           </a:p>
@@ -2920,7 +2926,7 @@
           <a:p>
             <a:fld id="{5BEB84C7-C497-44B9-BE5E-194C7F150632}" type="datetimeFigureOut">
               <a:rPr kumimoji="1" lang="ja-JP" altLang="en-US" smtClean="0"/>
-              <a:t>2023/8/16</a:t>
+              <a:t>2023/8/20</a:t>
             </a:fld>
             <a:endParaRPr kumimoji="1" lang="ja-JP" altLang="en-US"/>
           </a:p>
@@ -3193,7 +3199,7 @@
           <a:p>
             <a:fld id="{5BEB84C7-C497-44B9-BE5E-194C7F150632}" type="datetimeFigureOut">
               <a:rPr kumimoji="1" lang="ja-JP" altLang="en-US" smtClean="0"/>
-              <a:t>2023/8/16</a:t>
+              <a:t>2023/8/20</a:t>
             </a:fld>
             <a:endParaRPr kumimoji="1" lang="ja-JP" altLang="en-US"/>
           </a:p>
@@ -4174,6 +4180,99 @@
           <a:chExt cx="0" cy="0"/>
         </a:xfrm>
       </p:grpSpPr>
+      <p:sp>
+        <p:nvSpPr>
+          <p:cNvPr id="2" name="タイトル 1">
+            <a:extLst>
+              <a:ext uri="{FF2B5EF4-FFF2-40B4-BE49-F238E27FC236}">
+                <a16:creationId xmlns:a16="http://schemas.microsoft.com/office/drawing/2014/main" id="{39983396-FB40-F86D-03B6-2C01964696E2}"/>
+              </a:ext>
+            </a:extLst>
+          </p:cNvPr>
+          <p:cNvSpPr>
+            <a:spLocks noGrp="1"/>
+          </p:cNvSpPr>
+          <p:nvPr>
+            <p:ph type="title"/>
+          </p:nvPr>
+        </p:nvSpPr>
+        <p:spPr/>
+        <p:txBody>
+          <a:bodyPr>
+            <a:normAutofit fontScale="90000"/>
+          </a:bodyPr>
+          <a:lstStyle/>
+          <a:p>
+            <a:r>
+              <a:rPr kumimoji="1" lang="ja-JP" altLang="en-US"/>
+              <a:t>以下にトランプがある</a:t>
+            </a:r>
+            <a:br>
+              <a:rPr kumimoji="1" lang="en-US" altLang="ja-JP"/>
+            </a:br>
+            <a:r>
+              <a:rPr kumimoji="1" lang="en-US" altLang="ja-JP"/>
+              <a:t>https://chicodeza.com/freeitems/torannpu-illust.html</a:t>
+            </a:r>
+            <a:endParaRPr kumimoji="1" lang="ja-JP" altLang="en-US" dirty="0"/>
+          </a:p>
+        </p:txBody>
+      </p:sp>
+      <p:sp>
+        <p:nvSpPr>
+          <p:cNvPr id="3" name="コンテンツ プレースホルダー 2">
+            <a:extLst>
+              <a:ext uri="{FF2B5EF4-FFF2-40B4-BE49-F238E27FC236}">
+                <a16:creationId xmlns:a16="http://schemas.microsoft.com/office/drawing/2014/main" id="{383DCFEE-7BCF-11FA-2B49-5409B9E6F03B}"/>
+              </a:ext>
+            </a:extLst>
+          </p:cNvPr>
+          <p:cNvSpPr>
+            <a:spLocks noGrp="1"/>
+          </p:cNvSpPr>
+          <p:nvPr>
+            <p:ph idx="1"/>
+          </p:nvPr>
+        </p:nvSpPr>
+        <p:spPr/>
+        <p:txBody>
+          <a:bodyPr/>
+          <a:lstStyle/>
+          <a:p>
+            <a:endParaRPr kumimoji="1" lang="ja-JP" altLang="en-US"/>
+          </a:p>
+        </p:txBody>
+      </p:sp>
+    </p:spTree>
+    <p:extLst>
+      <p:ext uri="{BB962C8B-B14F-4D97-AF65-F5344CB8AC3E}">
+        <p14:creationId xmlns:p14="http://schemas.microsoft.com/office/powerpoint/2010/main" val="3272762663"/>
+      </p:ext>
+    </p:extLst>
+  </p:cSld>
+  <p:clrMapOvr>
+    <a:masterClrMapping/>
+  </p:clrMapOvr>
+</p:sld>
+</file>
+
+<file path=ppt/slides/slide3.xml><?xml version="1.0" encoding="utf-8"?>
+<p:sld xmlns:a="http://schemas.openxmlformats.org/drawingml/2006/main" xmlns:r="http://schemas.openxmlformats.org/officeDocument/2006/relationships" xmlns:p="http://schemas.openxmlformats.org/presentationml/2006/main">
+  <p:cSld>
+    <p:spTree>
+      <p:nvGrpSpPr>
+        <p:cNvPr id="1" name=""/>
+        <p:cNvGrpSpPr/>
+        <p:nvPr/>
+      </p:nvGrpSpPr>
+      <p:grpSpPr>
+        <a:xfrm>
+          <a:off x="0" y="0"/>
+          <a:ext cx="0" cy="0"/>
+          <a:chOff x="0" y="0"/>
+          <a:chExt cx="0" cy="0"/>
+        </a:xfrm>
+      </p:grpSpPr>
       <p:pic>
         <p:nvPicPr>
           <p:cNvPr id="4" name="図 3">

--- a/トランプイラスト.pptx
+++ b/トランプイラスト.pptx
@@ -261,7 +261,7 @@
           <a:p>
             <a:fld id="{5BEB84C7-C497-44B9-BE5E-194C7F150632}" type="datetimeFigureOut">
               <a:rPr kumimoji="1" lang="ja-JP" altLang="en-US" smtClean="0"/>
-              <a:t>2023/8/20</a:t>
+              <a:t>2023/8/21</a:t>
             </a:fld>
             <a:endParaRPr kumimoji="1" lang="ja-JP" altLang="en-US"/>
           </a:p>
@@ -491,7 +491,7 @@
           <a:p>
             <a:fld id="{5BEB84C7-C497-44B9-BE5E-194C7F150632}" type="datetimeFigureOut">
               <a:rPr kumimoji="1" lang="ja-JP" altLang="en-US" smtClean="0"/>
-              <a:t>2023/8/20</a:t>
+              <a:t>2023/8/21</a:t>
             </a:fld>
             <a:endParaRPr kumimoji="1" lang="ja-JP" altLang="en-US"/>
           </a:p>
@@ -731,7 +731,7 @@
           <a:p>
             <a:fld id="{5BEB84C7-C497-44B9-BE5E-194C7F150632}" type="datetimeFigureOut">
               <a:rPr kumimoji="1" lang="ja-JP" altLang="en-US" smtClean="0"/>
-              <a:t>2023/8/20</a:t>
+              <a:t>2023/8/21</a:t>
             </a:fld>
             <a:endParaRPr kumimoji="1" lang="ja-JP" altLang="en-US"/>
           </a:p>
@@ -961,7 +961,7 @@
           <a:p>
             <a:fld id="{5BEB84C7-C497-44B9-BE5E-194C7F150632}" type="datetimeFigureOut">
               <a:rPr kumimoji="1" lang="ja-JP" altLang="en-US" smtClean="0"/>
-              <a:t>2023/8/20</a:t>
+              <a:t>2023/8/21</a:t>
             </a:fld>
             <a:endParaRPr kumimoji="1" lang="ja-JP" altLang="en-US"/>
           </a:p>
@@ -1236,7 +1236,7 @@
           <a:p>
             <a:fld id="{5BEB84C7-C497-44B9-BE5E-194C7F150632}" type="datetimeFigureOut">
               <a:rPr kumimoji="1" lang="ja-JP" altLang="en-US" smtClean="0"/>
-              <a:t>2023/8/20</a:t>
+              <a:t>2023/8/21</a:t>
             </a:fld>
             <a:endParaRPr kumimoji="1" lang="ja-JP" altLang="en-US"/>
           </a:p>
@@ -1565,7 +1565,7 @@
           <a:p>
             <a:fld id="{5BEB84C7-C497-44B9-BE5E-194C7F150632}" type="datetimeFigureOut">
               <a:rPr kumimoji="1" lang="ja-JP" altLang="en-US" smtClean="0"/>
-              <a:t>2023/8/20</a:t>
+              <a:t>2023/8/21</a:t>
             </a:fld>
             <a:endParaRPr kumimoji="1" lang="ja-JP" altLang="en-US"/>
           </a:p>
@@ -2041,7 +2041,7 @@
           <a:p>
             <a:fld id="{5BEB84C7-C497-44B9-BE5E-194C7F150632}" type="datetimeFigureOut">
               <a:rPr kumimoji="1" lang="ja-JP" altLang="en-US" smtClean="0"/>
-              <a:t>2023/8/20</a:t>
+              <a:t>2023/8/21</a:t>
             </a:fld>
             <a:endParaRPr kumimoji="1" lang="ja-JP" altLang="en-US"/>
           </a:p>
@@ -2182,7 +2182,7 @@
           <a:p>
             <a:fld id="{5BEB84C7-C497-44B9-BE5E-194C7F150632}" type="datetimeFigureOut">
               <a:rPr kumimoji="1" lang="ja-JP" altLang="en-US" smtClean="0"/>
-              <a:t>2023/8/20</a:t>
+              <a:t>2023/8/21</a:t>
             </a:fld>
             <a:endParaRPr kumimoji="1" lang="ja-JP" altLang="en-US"/>
           </a:p>
@@ -2295,7 +2295,7 @@
           <a:p>
             <a:fld id="{5BEB84C7-C497-44B9-BE5E-194C7F150632}" type="datetimeFigureOut">
               <a:rPr kumimoji="1" lang="ja-JP" altLang="en-US" smtClean="0"/>
-              <a:t>2023/8/20</a:t>
+              <a:t>2023/8/21</a:t>
             </a:fld>
             <a:endParaRPr kumimoji="1" lang="ja-JP" altLang="en-US"/>
           </a:p>
@@ -2638,7 +2638,7 @@
           <a:p>
             <a:fld id="{5BEB84C7-C497-44B9-BE5E-194C7F150632}" type="datetimeFigureOut">
               <a:rPr kumimoji="1" lang="ja-JP" altLang="en-US" smtClean="0"/>
-              <a:t>2023/8/20</a:t>
+              <a:t>2023/8/21</a:t>
             </a:fld>
             <a:endParaRPr kumimoji="1" lang="ja-JP" altLang="en-US"/>
           </a:p>
@@ -2926,7 +2926,7 @@
           <a:p>
             <a:fld id="{5BEB84C7-C497-44B9-BE5E-194C7F150632}" type="datetimeFigureOut">
               <a:rPr kumimoji="1" lang="ja-JP" altLang="en-US" smtClean="0"/>
-              <a:t>2023/8/20</a:t>
+              <a:t>2023/8/21</a:t>
             </a:fld>
             <a:endParaRPr kumimoji="1" lang="ja-JP" altLang="en-US"/>
           </a:p>
@@ -3199,7 +3199,7 @@
           <a:p>
             <a:fld id="{5BEB84C7-C497-44B9-BE5E-194C7F150632}" type="datetimeFigureOut">
               <a:rPr kumimoji="1" lang="ja-JP" altLang="en-US" smtClean="0"/>
-              <a:t>2023/8/20</a:t>
+              <a:t>2023/8/21</a:t>
             </a:fld>
             <a:endParaRPr kumimoji="1" lang="ja-JP" altLang="en-US"/>
           </a:p>
@@ -4204,14 +4204,14 @@
           <a:lstStyle/>
           <a:p>
             <a:r>
-              <a:rPr kumimoji="1" lang="ja-JP" altLang="en-US"/>
+              <a:rPr kumimoji="1" lang="ja-JP" altLang="en-US" dirty="0"/>
               <a:t>以下にトランプがある</a:t>
             </a:r>
             <a:br>
-              <a:rPr kumimoji="1" lang="en-US" altLang="ja-JP"/>
+              <a:rPr kumimoji="1" lang="en-US" altLang="ja-JP" dirty="0"/>
             </a:br>
             <a:r>
-              <a:rPr kumimoji="1" lang="en-US" altLang="ja-JP"/>
+              <a:rPr kumimoji="1" lang="en-US" altLang="ja-JP" dirty="0"/>
               <a:t>https://chicodeza.com/freeitems/torannpu-illust.html</a:t>
             </a:r>
             <a:endParaRPr kumimoji="1" lang="ja-JP" altLang="en-US" dirty="0"/>
@@ -4239,7 +4239,7 @@
           <a:bodyPr/>
           <a:lstStyle/>
           <a:p>
-            <a:endParaRPr kumimoji="1" lang="ja-JP" altLang="en-US"/>
+            <a:endParaRPr kumimoji="1" lang="ja-JP" altLang="en-US" dirty="0"/>
           </a:p>
         </p:txBody>
       </p:sp>
